--- a/spring13/slides13/ran-vars-bigger-number.pptx
+++ b/spring13/slides13/ran-vars-bigger-number.pptx
@@ -3721,6 +3721,16 @@
               <a:buNone/>
             </a:pPr>
             <a:r>
+              <a:rPr lang="en-US" sz="4800" dirty="0" err="1" smtClean="0">
+                <a:solidFill>
+                  <a:srgbClr val="0000FF"/>
+                </a:solidFill>
+                <a:latin typeface="Comic Sans MS"/>
+                <a:cs typeface="Comic Sans MS"/>
+              </a:rPr>
+              <a:t>Pr</a:t>
+            </a:r>
+            <a:r>
               <a:rPr lang="en-US" sz="4800" dirty="0" smtClean="0">
                 <a:solidFill>
                   <a:srgbClr val="0000FF"/>
@@ -3728,7 +3738,27 @@
                 <a:latin typeface="Comic Sans MS"/>
                 <a:cs typeface="Comic Sans MS"/>
               </a:rPr>
-              <a:t>Pr{Team 2 wins} </a:t>
+              <a:t>[Team </a:t>
+            </a:r>
+            <a:r>
+              <a:rPr lang="en-US" sz="4800" dirty="0" smtClean="0">
+                <a:solidFill>
+                  <a:srgbClr val="0000FF"/>
+                </a:solidFill>
+                <a:latin typeface="Comic Sans MS"/>
+                <a:cs typeface="Comic Sans MS"/>
+              </a:rPr>
+              <a:t>2 </a:t>
+            </a:r>
+            <a:r>
+              <a:rPr lang="en-US" sz="4800" dirty="0" smtClean="0">
+                <a:solidFill>
+                  <a:srgbClr val="0000FF"/>
+                </a:solidFill>
+                <a:latin typeface="Comic Sans MS"/>
+                <a:cs typeface="Comic Sans MS"/>
+              </a:rPr>
+              <a:t>wins] </a:t>
             </a:r>
             <a:r>
               <a:rPr lang="en-US" sz="4800" b="1" dirty="0" smtClean="0">
@@ -3762,7 +3792,7 @@
           <a:graphicData uri="http://schemas.openxmlformats.org/presentationml/2006/ole">
             <mc:AlternateContent xmlns:mc="http://schemas.openxmlformats.org/markup-compatibility/2006">
               <mc:Choice xmlns:v="urn:schemas-microsoft-com:vml" Requires="v">
-                <p:oleObj spid="_x0000_s580646" name="Equation" r:id="rId4" imgW="914400" imgH="220320" progId="Equation.DSMT4">
+                <p:oleObj spid="_x0000_s580653" name="Equation" r:id="rId4" imgW="914400" imgH="220320" progId="Equation.DSMT4">
                   <p:embed/>
                 </p:oleObj>
               </mc:Choice>
@@ -3964,7 +3994,7 @@
           <a:graphicData uri="http://schemas.openxmlformats.org/presentationml/2006/ole">
             <mc:AlternateContent xmlns:mc="http://schemas.openxmlformats.org/markup-compatibility/2006">
               <mc:Choice xmlns:v="urn:schemas-microsoft-com:vml" Requires="v">
-                <p:oleObj spid="_x0000_s580647" name="Equation" r:id="rId6" imgW="1447560" imgH="482400" progId="Equation.DSMT4">
+                <p:oleObj spid="_x0000_s580654" name="Equation" r:id="rId6" imgW="1447560" imgH="482400" progId="Equation.DSMT4">
                   <p:embed/>
                 </p:oleObj>
               </mc:Choice>
@@ -4423,13 +4453,13 @@
   <p:clrMapOvr>
     <a:masterClrMapping/>
   </p:clrMapOvr>
-  <mc:AlternateContent xmlns:mc="http://schemas.openxmlformats.org/markup-compatibility/2006">
-    <mc:Choice xmlns:p14="http://schemas.microsoft.com/office/powerpoint/2010/main" Requires="p14">
+  <mc:AlternateContent xmlns:mc="http://schemas.openxmlformats.org/markup-compatibility/2006" xmlns:p14="http://schemas.microsoft.com/office/powerpoint/2010/main">
+    <mc:Choice Requires="p14">
       <p:transition spd="slow" p14:dur="1100">
         <p:fade/>
       </p:transition>
     </mc:Choice>
-    <mc:Fallback>
+    <mc:Fallback xmlns="">
       <p:transition xmlns:p14="http://schemas.microsoft.com/office/powerpoint/2010/main" spd="slow">
         <p:fade/>
       </p:transition>
@@ -4622,16 +4652,28 @@
               <a:t>  </a:t>
             </a:r>
             <a:r>
+              <a:rPr lang="en-US" sz="6000" dirty="0" err="1" smtClean="0">
+                <a:latin typeface="Comic Sans MS" pitchFamily="66" charset="0"/>
+              </a:rPr>
+              <a:t>Pr</a:t>
+            </a:r>
+            <a:r>
+              <a:rPr lang="en-US" sz="6000" dirty="0" smtClean="0">
+                <a:latin typeface="Comic Sans MS" pitchFamily="66" charset="0"/>
+              </a:rPr>
+              <a:t>[Team </a:t>
+            </a:r>
+            <a:r>
               <a:rPr lang="en-US" sz="6000" dirty="0">
                 <a:latin typeface="Comic Sans MS" pitchFamily="66" charset="0"/>
               </a:rPr>
-              <a:t>Pr{Team 2 wins}</a:t>
+              <a:t>2 </a:t>
             </a:r>
             <a:r>
               <a:rPr lang="en-US" sz="6000" dirty="0" smtClean="0">
                 <a:latin typeface="Comic Sans MS" pitchFamily="66" charset="0"/>
               </a:rPr>
-              <a:t> </a:t>
+              <a:t>wins] </a:t>
             </a:r>
             <a:r>
               <a:rPr lang="en-US" sz="6000" b="1" dirty="0" smtClean="0">
@@ -4692,7 +4734,7 @@
           <a:graphicData uri="http://schemas.openxmlformats.org/presentationml/2006/ole">
             <mc:AlternateContent xmlns:mc="http://schemas.openxmlformats.org/markup-compatibility/2006">
               <mc:Choice xmlns:v="urn:schemas-microsoft-com:vml" Requires="v">
-                <p:oleObj spid="_x0000_s5143" name="Equation" r:id="rId4" imgW="190440" imgH="431640" progId="Equation.DSMT4">
+                <p:oleObj spid="_x0000_s5147" name="Equation" r:id="rId4" imgW="190440" imgH="431640" progId="Equation.DSMT4">
                   <p:embed/>
                 </p:oleObj>
               </mc:Choice>
@@ -4751,13 +4793,13 @@
   <p:clrMapOvr>
     <a:masterClrMapping/>
   </p:clrMapOvr>
-  <mc:AlternateContent xmlns:mc="http://schemas.openxmlformats.org/markup-compatibility/2006">
-    <mc:Choice xmlns:p14="http://schemas.microsoft.com/office/powerpoint/2010/main" Requires="p14">
+  <mc:AlternateContent xmlns:mc="http://schemas.openxmlformats.org/markup-compatibility/2006" xmlns:p14="http://schemas.microsoft.com/office/powerpoint/2010/main">
+    <mc:Choice Requires="p14">
       <p:transition spd="slow" p14:dur="1200">
         <p:fade/>
       </p:transition>
     </mc:Choice>
-    <mc:Fallback>
+    <mc:Fallback xmlns="">
       <p:transition xmlns:p14="http://schemas.microsoft.com/office/powerpoint/2010/main" spd="slow">
         <p:fade/>
       </p:transition>
@@ -4816,7 +4858,7 @@
                                     </p:set>
                                     <p:animEffect transition="in" filter="wipe(left)">
                                       <p:cBhvr>
-                                        <p:cTn id="7" dur="500"/>
+                                        <p:cTn id="7" dur="1000"/>
                                         <p:tgtEl>
                                           <p:spTgt spid="28678">
                                             <p:txEl>
@@ -4835,11 +4877,11 @@
                         <p:par>
                           <p:cTn id="8" fill="hold">
                             <p:stCondLst>
-                              <p:cond delay="500"/>
+                              <p:cond delay="1000"/>
                             </p:stCondLst>
                             <p:childTnLst>
                               <p:par>
-                                <p:cTn id="9" presetID="9" presetClass="entr" presetSubtype="0" fill="hold" nodeType="afterEffect">
+                                <p:cTn id="9" presetID="10" presetClass="entr" presetSubtype="0" fill="hold" nodeType="afterEffect">
                                   <p:stCondLst>
                                     <p:cond delay="0"/>
                                   </p:stCondLst>
@@ -4862,7 +4904,7 @@
                                         <p:strVal val="visible"/>
                                       </p:to>
                                     </p:set>
-                                    <p:animEffect transition="in" filter="dissolve">
+                                    <p:animEffect transition="in" filter="fade">
                                       <p:cBhvr>
                                         <p:cTn id="11" dur="500"/>
                                         <p:tgtEl>
@@ -4892,7 +4934,7 @@
                             </p:stCondLst>
                             <p:childTnLst>
                               <p:par>
-                                <p:cTn id="14" presetID="9" presetClass="entr" presetSubtype="0" fill="hold" nodeType="clickEffect">
+                                <p:cTn id="14" presetID="10" presetClass="entr" presetSubtype="0" fill="hold" nodeType="clickEffect">
                                   <p:stCondLst>
                                     <p:cond delay="0"/>
                                   </p:stCondLst>
@@ -4919,7 +4961,7 @@
                                         <p:strVal val="visible"/>
                                       </p:to>
                                     </p:set>
-                                    <p:animEffect transition="in" filter="dissolve">
+                                    <p:animEffect transition="in" filter="fade">
                                       <p:cBhvr>
                                         <p:cTn id="16" dur="500"/>
                                         <p:tgtEl>
@@ -5060,7 +5102,6 @@
               <a:rPr lang="en-US" dirty="0" smtClean="0"/>
               <a:t>Strategy</a:t>
             </a:r>
-            <a:endParaRPr lang="en-US" dirty="0" smtClean="0"/>
           </a:p>
         </p:txBody>
       </p:sp>
@@ -5125,16 +5166,22 @@
               <a:t>Pr</a:t>
             </a:r>
             <a:r>
+              <a:rPr lang="en-US" sz="6600" dirty="0" smtClean="0">
+                <a:latin typeface="Comic Sans MS" pitchFamily="66" charset="0"/>
+              </a:rPr>
+              <a:t>[Team </a:t>
+            </a:r>
+            <a:r>
               <a:rPr lang="en-US" sz="6600" dirty="0">
                 <a:latin typeface="Comic Sans MS" pitchFamily="66" charset="0"/>
               </a:rPr>
-              <a:t>{Team 2 wins}</a:t>
+              <a:t>2 </a:t>
             </a:r>
             <a:r>
               <a:rPr lang="en-US" sz="6600" dirty="0" smtClean="0">
                 <a:latin typeface="Comic Sans MS" pitchFamily="66" charset="0"/>
               </a:rPr>
-              <a:t> </a:t>
+              <a:t>wins] </a:t>
             </a:r>
             <a:r>
               <a:rPr lang="en-US" sz="6600" b="1" dirty="0" smtClean="0">
@@ -5203,18 +5250,7 @@
                 <a:cs typeface="Comic Sans MS"/>
                 <a:sym typeface="Euclid Symbol" pitchFamily="18" charset="2"/>
               </a:rPr>
-              <a:t>for both </a:t>
-            </a:r>
-            <a:r>
-              <a:rPr lang="en-US" sz="6600" dirty="0" smtClean="0">
-                <a:solidFill>
-                  <a:srgbClr val="000000"/>
-                </a:solidFill>
-                <a:latin typeface="Comic Sans MS"/>
-                <a:cs typeface="Comic Sans MS"/>
-                <a:sym typeface="Euclid Symbol" pitchFamily="18" charset="2"/>
-              </a:rPr>
-              <a:t>teams</a:t>
+              <a:t>for both teams</a:t>
             </a:r>
             <a:endParaRPr lang="en-US" sz="6600" dirty="0" smtClean="0">
               <a:solidFill>
@@ -5249,7 +5285,7 @@
           <a:graphicData uri="http://schemas.openxmlformats.org/presentationml/2006/ole">
             <mc:AlternateContent xmlns:mc="http://schemas.openxmlformats.org/markup-compatibility/2006">
               <mc:Choice xmlns:v="urn:schemas-microsoft-com:vml" Requires="v">
-                <p:oleObj spid="_x0000_s582659" name="Equation" r:id="rId4" imgW="190440" imgH="431640" progId="Equation.DSMT4">
+                <p:oleObj spid="_x0000_s582663" name="Equation" r:id="rId4" imgW="190440" imgH="431640" progId="Equation.DSMT4">
                   <p:embed/>
                 </p:oleObj>
               </mc:Choice>
@@ -5305,13 +5341,13 @@
   <p:clrMapOvr>
     <a:masterClrMapping/>
   </p:clrMapOvr>
-  <mc:AlternateContent xmlns:mc="http://schemas.openxmlformats.org/markup-compatibility/2006">
-    <mc:Choice xmlns:p14="http://schemas.microsoft.com/office/powerpoint/2010/main" Requires="p14">
+  <mc:AlternateContent xmlns:mc="http://schemas.openxmlformats.org/markup-compatibility/2006" xmlns:p14="http://schemas.microsoft.com/office/powerpoint/2010/main">
+    <mc:Choice Requires="p14">
       <p:transition spd="slow" p14:dur="1200">
         <p:fade/>
       </p:transition>
     </mc:Choice>
-    <mc:Fallback>
+    <mc:Fallback xmlns="">
       <p:transition xmlns:p14="http://schemas.microsoft.com/office/powerpoint/2010/main" spd="slow">
         <p:fade/>
       </p:transition>
@@ -5612,6 +5648,9 @@
                     <p:cTn id="3" fill="hold">
                       <p:stCondLst>
                         <p:cond delay="indefinite"/>
+                        <p:cond evt="onBegin" delay="0">
+                          <p:tn val="2"/>
+                        </p:cond>
                       </p:stCondLst>
                       <p:childTnLst>
                         <p:par>
@@ -5621,7 +5660,7 @@
                             </p:stCondLst>
                             <p:childTnLst>
                               <p:par>
-                                <p:cTn id="5" presetID="1" presetClass="entr" presetSubtype="0" fill="hold" nodeType="clickEffect">
+                                <p:cTn id="5" presetID="10" presetClass="entr" presetSubtype="0" fill="hold" nodeType="withEffect">
                                   <p:stCondLst>
                                     <p:cond delay="0"/>
                                   </p:stCondLst>
@@ -5629,37 +5668,6 @@
                                     <p:set>
                                       <p:cBhvr>
                                         <p:cTn id="6" dur="1" fill="hold">
-                                          <p:stCondLst>
-                                            <p:cond delay="0"/>
-                                          </p:stCondLst>
-                                        </p:cTn>
-                                        <p:tgtEl>
-                                          <p:spTgt spid="19461">
-                                            <p:txEl>
-                                              <p:pRg st="1" end="1"/>
-                                            </p:txEl>
-                                          </p:spTgt>
-                                        </p:tgtEl>
-                                        <p:attrNameLst>
-                                          <p:attrName>style.visibility</p:attrName>
-                                        </p:attrNameLst>
-                                      </p:cBhvr>
-                                      <p:to>
-                                        <p:strVal val="visible"/>
-                                      </p:to>
-                                    </p:set>
-                                  </p:childTnLst>
-                                </p:cTn>
-                              </p:par>
-                              <p:par>
-                                <p:cTn id="7" presetID="1" presetClass="entr" presetSubtype="0" fill="hold" nodeType="withEffect">
-                                  <p:stCondLst>
-                                    <p:cond delay="0"/>
-                                  </p:stCondLst>
-                                  <p:childTnLst>
-                                    <p:set>
-                                      <p:cBhvr>
-                                        <p:cTn id="8" dur="1" fill="hold">
                                           <p:stCondLst>
                                             <p:cond delay="0"/>
                                           </p:stCondLst>
@@ -5679,6 +5687,18 @@
                                         <p:strVal val="visible"/>
                                       </p:to>
                                     </p:set>
+                                    <p:animEffect transition="in" filter="fade">
+                                      <p:cBhvr>
+                                        <p:cTn id="7" dur="500"/>
+                                        <p:tgtEl>
+                                          <p:spTgt spid="19461">
+                                            <p:txEl>
+                                              <p:pRg st="2" end="2"/>
+                                            </p:txEl>
+                                          </p:spTgt>
+                                        </p:tgtEl>
+                                      </p:cBhvr>
+                                    </p:animEffect>
                                   </p:childTnLst>
                                 </p:cTn>
                               </p:par>
@@ -5689,26 +5709,26 @@
                     </p:cTn>
                   </p:par>
                   <p:par>
-                    <p:cTn id="9" fill="hold">
+                    <p:cTn id="8" fill="hold">
                       <p:stCondLst>
                         <p:cond delay="indefinite"/>
                       </p:stCondLst>
                       <p:childTnLst>
                         <p:par>
-                          <p:cTn id="10" fill="hold">
+                          <p:cTn id="9" fill="hold">
                             <p:stCondLst>
                               <p:cond delay="0"/>
                             </p:stCondLst>
                             <p:childTnLst>
                               <p:par>
-                                <p:cTn id="11" presetID="1" presetClass="entr" presetSubtype="0" fill="hold" nodeType="clickEffect">
+                                <p:cTn id="10" presetID="10" presetClass="entr" presetSubtype="0" fill="hold" nodeType="clickEffect">
                                   <p:stCondLst>
                                     <p:cond delay="0"/>
                                   </p:stCondLst>
                                   <p:childTnLst>
                                     <p:set>
                                       <p:cBhvr>
-                                        <p:cTn id="12" dur="1" fill="hold">
+                                        <p:cTn id="11" dur="1" fill="hold">
                                           <p:stCondLst>
                                             <p:cond delay="0"/>
                                           </p:stCondLst>
@@ -5728,6 +5748,18 @@
                                         <p:strVal val="visible"/>
                                       </p:to>
                                     </p:set>
+                                    <p:animEffect transition="in" filter="fade">
+                                      <p:cBhvr>
+                                        <p:cTn id="12" dur="500"/>
+                                        <p:tgtEl>
+                                          <p:spTgt spid="19461">
+                                            <p:txEl>
+                                              <p:pRg st="3" end="3"/>
+                                            </p:txEl>
+                                          </p:spTgt>
+                                        </p:tgtEl>
+                                      </p:cBhvr>
+                                    </p:animEffect>
                                   </p:childTnLst>
                                 </p:cTn>
                               </p:par>
@@ -5750,7 +5782,7 @@
                             </p:stCondLst>
                             <p:childTnLst>
                               <p:par>
-                                <p:cTn id="15" presetID="1" presetClass="entr" presetSubtype="0" fill="hold" nodeType="clickEffect">
+                                <p:cTn id="15" presetID="10" presetClass="entr" presetSubtype="0" fill="hold" nodeType="clickEffect">
                                   <p:stCondLst>
                                     <p:cond delay="0"/>
                                   </p:stCondLst>
@@ -5777,27 +5809,48 @@
                                         <p:strVal val="visible"/>
                                       </p:to>
                                     </p:set>
+                                    <p:animEffect transition="in" filter="fade">
+                                      <p:cBhvr>
+                                        <p:cTn id="17" dur="500"/>
+                                        <p:tgtEl>
+                                          <p:spTgt spid="19461">
+                                            <p:txEl>
+                                              <p:pRg st="4" end="4"/>
+                                            </p:txEl>
+                                          </p:spTgt>
+                                        </p:tgtEl>
+                                      </p:cBhvr>
+                                    </p:animEffect>
                                   </p:childTnLst>
                                 </p:cTn>
                               </p:par>
                             </p:childTnLst>
                           </p:cTn>
                         </p:par>
+                      </p:childTnLst>
+                    </p:cTn>
+                  </p:par>
+                  <p:par>
+                    <p:cTn id="18" fill="hold">
+                      <p:stCondLst>
+                        <p:cond delay="indefinite"/>
+                      </p:stCondLst>
+                      <p:childTnLst>
                         <p:par>
-                          <p:cTn id="17" fill="hold">
+                          <p:cTn id="19" fill="hold">
                             <p:stCondLst>
                               <p:cond delay="0"/>
                             </p:stCondLst>
                             <p:childTnLst>
                               <p:par>
-                                <p:cTn id="18" presetID="1" presetClass="entr" presetSubtype="0" fill="hold" nodeType="afterEffect">
+                                <p:cTn id="20" presetID="10" presetClass="entr" presetSubtype="0" fill="hold" nodeType="clickEffect">
                                   <p:stCondLst>
-                                    <p:cond delay="500"/>
+                                    <p:cond delay="0"/>
                                   </p:stCondLst>
                                   <p:childTnLst>
                                     <p:set>
                                       <p:cBhvr>
-                                        <p:cTn id="19" dur="1" fill="hold">
+                                        <p:cTn id="21" dur="1" fill="hold">
                                           <p:stCondLst>
                                             <p:cond delay="0"/>
                                           </p:stCondLst>
@@ -5817,6 +5870,18 @@
                                         <p:strVal val="visible"/>
                                       </p:to>
                                     </p:set>
+                                    <p:animEffect transition="in" filter="fade">
+                                      <p:cBhvr>
+                                        <p:cTn id="22" dur="500"/>
+                                        <p:tgtEl>
+                                          <p:spTgt spid="19461">
+                                            <p:txEl>
+                                              <p:pRg st="5" end="5"/>
+                                            </p:txEl>
+                                          </p:spTgt>
+                                        </p:tgtEl>
+                                      </p:cBhvr>
+                                    </p:animEffect>
                                   </p:childTnLst>
                                 </p:cTn>
                               </p:par>
@@ -5827,26 +5892,26 @@
                     </p:cTn>
                   </p:par>
                   <p:par>
-                    <p:cTn id="20" fill="hold">
+                    <p:cTn id="23" fill="hold">
                       <p:stCondLst>
                         <p:cond delay="indefinite"/>
                       </p:stCondLst>
                       <p:childTnLst>
                         <p:par>
-                          <p:cTn id="21" fill="hold">
+                          <p:cTn id="24" fill="hold">
                             <p:stCondLst>
                               <p:cond delay="0"/>
                             </p:stCondLst>
                             <p:childTnLst>
                               <p:par>
-                                <p:cTn id="22" presetID="1" presetClass="entr" presetSubtype="0" fill="hold" nodeType="clickEffect">
+                                <p:cTn id="25" presetID="10" presetClass="entr" presetSubtype="0" fill="hold" nodeType="clickEffect">
                                   <p:stCondLst>
                                     <p:cond delay="0"/>
                                   </p:stCondLst>
                                   <p:childTnLst>
                                     <p:set>
                                       <p:cBhvr>
-                                        <p:cTn id="23" dur="1" fill="hold">
+                                        <p:cTn id="26" dur="1" fill="hold">
                                           <p:stCondLst>
                                             <p:cond delay="0"/>
                                           </p:stCondLst>
@@ -5866,6 +5931,18 @@
                                         <p:strVal val="visible"/>
                                       </p:to>
                                     </p:set>
+                                    <p:animEffect transition="in" filter="fade">
+                                      <p:cBhvr>
+                                        <p:cTn id="27" dur="500"/>
+                                        <p:tgtEl>
+                                          <p:spTgt spid="19461">
+                                            <p:txEl>
+                                              <p:pRg st="6" end="6"/>
+                                            </p:txEl>
+                                          </p:spTgt>
+                                        </p:tgtEl>
+                                      </p:cBhvr>
+                                    </p:animEffect>
                                   </p:childTnLst>
                                 </p:cTn>
                               </p:par>
@@ -5876,26 +5953,26 @@
                     </p:cTn>
                   </p:par>
                   <p:par>
-                    <p:cTn id="24" fill="hold">
+                    <p:cTn id="28" fill="hold">
                       <p:stCondLst>
                         <p:cond delay="indefinite"/>
                       </p:stCondLst>
                       <p:childTnLst>
                         <p:par>
-                          <p:cTn id="25" fill="hold">
+                          <p:cTn id="29" fill="hold">
                             <p:stCondLst>
                               <p:cond delay="0"/>
                             </p:stCondLst>
                             <p:childTnLst>
                               <p:par>
-                                <p:cTn id="26" presetID="15" presetClass="entr" presetSubtype="0" fill="hold" nodeType="clickEffect">
+                                <p:cTn id="30" presetID="10" presetClass="entr" presetSubtype="0" fill="hold" nodeType="clickEffect">
                                   <p:stCondLst>
                                     <p:cond delay="0"/>
                                   </p:stCondLst>
                                   <p:childTnLst>
                                     <p:set>
                                       <p:cBhvr>
-                                        <p:cTn id="27" dur="1" fill="hold">
+                                        <p:cTn id="31" dur="1" fill="hold">
                                           <p:stCondLst>
                                             <p:cond delay="0"/>
                                           </p:stCondLst>
@@ -5915,9 +5992,9 @@
                                         <p:strVal val="visible"/>
                                       </p:to>
                                     </p:set>
-                                    <p:anim calcmode="lin" valueType="num">
+                                    <p:animEffect transition="in" filter="fade">
                                       <p:cBhvr>
-                                        <p:cTn id="28" dur="1000" fill="hold"/>
+                                        <p:cTn id="32" dur="500"/>
                                         <p:tgtEl>
                                           <p:spTgt spid="19461">
                                             <p:txEl>
@@ -5925,104 +6002,8 @@
                                             </p:txEl>
                                           </p:spTgt>
                                         </p:tgtEl>
-                                        <p:attrNameLst>
-                                          <p:attrName>ppt_w</p:attrName>
-                                        </p:attrNameLst>
                                       </p:cBhvr>
-                                      <p:tavLst>
-                                        <p:tav tm="0">
-                                          <p:val>
-                                            <p:fltVal val="0"/>
-                                          </p:val>
-                                        </p:tav>
-                                        <p:tav tm="100000">
-                                          <p:val>
-                                            <p:strVal val="#ppt_w"/>
-                                          </p:val>
-                                        </p:tav>
-                                      </p:tavLst>
-                                    </p:anim>
-                                    <p:anim calcmode="lin" valueType="num">
-                                      <p:cBhvr>
-                                        <p:cTn id="29" dur="1000" fill="hold"/>
-                                        <p:tgtEl>
-                                          <p:spTgt spid="19461">
-                                            <p:txEl>
-                                              <p:pRg st="7" end="7"/>
-                                            </p:txEl>
-                                          </p:spTgt>
-                                        </p:tgtEl>
-                                        <p:attrNameLst>
-                                          <p:attrName>ppt_h</p:attrName>
-                                        </p:attrNameLst>
-                                      </p:cBhvr>
-                                      <p:tavLst>
-                                        <p:tav tm="0">
-                                          <p:val>
-                                            <p:fltVal val="0"/>
-                                          </p:val>
-                                        </p:tav>
-                                        <p:tav tm="100000">
-                                          <p:val>
-                                            <p:strVal val="#ppt_h"/>
-                                          </p:val>
-                                        </p:tav>
-                                      </p:tavLst>
-                                    </p:anim>
-                                    <p:anim calcmode="lin" valueType="num">
-                                      <p:cBhvr>
-                                        <p:cTn id="30" dur="1000" fill="hold"/>
-                                        <p:tgtEl>
-                                          <p:spTgt spid="19461">
-                                            <p:txEl>
-                                              <p:pRg st="7" end="7"/>
-                                            </p:txEl>
-                                          </p:spTgt>
-                                        </p:tgtEl>
-                                        <p:attrNameLst>
-                                          <p:attrName>ppt_x</p:attrName>
-                                        </p:attrNameLst>
-                                      </p:cBhvr>
-                                      <p:tavLst>
-                                        <p:tav tm="0" fmla="#ppt_x+(cos(-2*pi*(1-$))*-#ppt_x-sin(-2*pi*(1-$))*(1-#ppt_y))*(1-$)">
-                                          <p:val>
-                                            <p:fltVal val="0"/>
-                                          </p:val>
-                                        </p:tav>
-                                        <p:tav tm="100000">
-                                          <p:val>
-                                            <p:fltVal val="1"/>
-                                          </p:val>
-                                        </p:tav>
-                                      </p:tavLst>
-                                    </p:anim>
-                                    <p:anim calcmode="lin" valueType="num">
-                                      <p:cBhvr>
-                                        <p:cTn id="31" dur="1000" fill="hold"/>
-                                        <p:tgtEl>
-                                          <p:spTgt spid="19461">
-                                            <p:txEl>
-                                              <p:pRg st="7" end="7"/>
-                                            </p:txEl>
-                                          </p:spTgt>
-                                        </p:tgtEl>
-                                        <p:attrNameLst>
-                                          <p:attrName>ppt_y</p:attrName>
-                                        </p:attrNameLst>
-                                      </p:cBhvr>
-                                      <p:tavLst>
-                                        <p:tav tm="0" fmla="#ppt_y+(sin(-2*pi*(1-$))*-#ppt_x+cos(-2*pi*(1-$))*(1-#ppt_y))*(1-$)">
-                                          <p:val>
-                                            <p:fltVal val="0"/>
-                                          </p:val>
-                                        </p:tav>
-                                        <p:tav tm="100000">
-                                          <p:val>
-                                            <p:fltVal val="1"/>
-                                          </p:val>
-                                        </p:tav>
-                                      </p:tavLst>
-                                    </p:anim>
+                                    </p:animEffect>
                                   </p:childTnLst>
                                 </p:cTn>
                               </p:par>
@@ -6692,7 +6673,7 @@
                                     </p:set>
                                     <p:animEffect transition="in" filter="wipe(left)">
                                       <p:cBhvr>
-                                        <p:cTn id="22" dur="500"/>
+                                        <p:cTn id="22" dur="1000"/>
                                         <p:tgtEl>
                                           <p:spTgt spid="134147">
                                             <p:txEl>
@@ -6906,11 +6887,23 @@
             </a:pPr>
             <a:r>
               <a:rPr lang="en-US" sz="4800" dirty="0" err="1" smtClean="0"/>
-              <a:t>Pr{Team</a:t>
+              <a:t>Pr</a:t>
             </a:r>
             <a:r>
               <a:rPr lang="en-US" sz="4800" dirty="0" smtClean="0"/>
-              <a:t> 2 wins | M} = </a:t>
+              <a:t>[Team </a:t>
+            </a:r>
+            <a:r>
+              <a:rPr lang="en-US" sz="4800" dirty="0" smtClean="0"/>
+              <a:t>2 wins | </a:t>
+            </a:r>
+            <a:r>
+              <a:rPr lang="en-US" sz="4800" dirty="0" smtClean="0"/>
+              <a:t>M] </a:t>
+            </a:r>
+            <a:r>
+              <a:rPr lang="en-US" sz="4800" dirty="0" smtClean="0"/>
+              <a:t>= </a:t>
             </a:r>
             <a:r>
               <a:rPr lang="en-US" sz="4800" dirty="0" smtClean="0">
@@ -6940,11 +6933,11 @@
             </a:r>
             <a:r>
               <a:rPr lang="en-US" sz="4800" dirty="0" err="1" smtClean="0"/>
-              <a:t>Pr{M</a:t>
+              <a:t>Pr</a:t>
             </a:r>
             <a:r>
               <a:rPr lang="en-US" sz="4800" dirty="0" smtClean="0"/>
-              <a:t>} </a:t>
+              <a:t>[M] </a:t>
             </a:r>
             <a:r>
               <a:rPr lang="en-US" sz="4800" b="1" dirty="0" smtClean="0">
@@ -6981,7 +6974,7 @@
           <a:graphicData uri="http://schemas.openxmlformats.org/presentationml/2006/ole">
             <mc:AlternateContent xmlns:mc="http://schemas.openxmlformats.org/markup-compatibility/2006">
               <mc:Choice xmlns:v="urn:schemas-microsoft-com:vml" Requires="v">
-                <p:oleObj spid="_x0000_s1046" name="Equation" r:id="rId4" imgW="164880" imgH="419040" progId="Equation.DSMT4">
+                <p:oleObj spid="_x0000_s1050" name="Equation" r:id="rId4" imgW="164880" imgH="419040" progId="Equation.DSMT4">
                   <p:embed/>
                 </p:oleObj>
               </mc:Choice>
@@ -7064,7 +7057,7 @@
                             </p:stCondLst>
                             <p:childTnLst>
                               <p:par>
-                                <p:cTn id="5" presetID="1" presetClass="entr" presetSubtype="0" fill="hold" nodeType="clickEffect">
+                                <p:cTn id="5" presetID="10" presetClass="entr" presetSubtype="0" fill="hold" nodeType="clickEffect">
                                   <p:stCondLst>
                                     <p:cond delay="0"/>
                                   </p:stCondLst>
@@ -7091,6 +7084,18 @@
                                         <p:strVal val="visible"/>
                                       </p:to>
                                     </p:set>
+                                    <p:animEffect transition="in" filter="fade">
+                                      <p:cBhvr>
+                                        <p:cTn id="7" dur="500"/>
+                                        <p:tgtEl>
+                                          <p:spTgt spid="135171">
+                                            <p:txEl>
+                                              <p:pRg st="1" end="1"/>
+                                            </p:txEl>
+                                          </p:spTgt>
+                                        </p:tgtEl>
+                                      </p:cBhvr>
+                                    </p:animEffect>
                                   </p:childTnLst>
                                 </p:cTn>
                               </p:par>
@@ -7101,26 +7106,26 @@
                     </p:cTn>
                   </p:par>
                   <p:par>
-                    <p:cTn id="7" fill="hold">
+                    <p:cTn id="8" fill="hold">
                       <p:stCondLst>
                         <p:cond delay="indefinite"/>
                       </p:stCondLst>
                       <p:childTnLst>
                         <p:par>
-                          <p:cTn id="8" fill="hold">
+                          <p:cTn id="9" fill="hold">
                             <p:stCondLst>
                               <p:cond delay="0"/>
                             </p:stCondLst>
                             <p:childTnLst>
                               <p:par>
-                                <p:cTn id="9" presetID="9" presetClass="entr" presetSubtype="0" fill="hold" nodeType="clickEffect">
+                                <p:cTn id="10" presetID="22" presetClass="entr" presetSubtype="8" fill="hold" nodeType="clickEffect">
                                   <p:stCondLst>
                                     <p:cond delay="0"/>
                                   </p:stCondLst>
                                   <p:childTnLst>
                                     <p:set>
                                       <p:cBhvr>
-                                        <p:cTn id="10" dur="1" fill="hold">
+                                        <p:cTn id="11" dur="1" fill="hold">
                                           <p:stCondLst>
                                             <p:cond delay="0"/>
                                           </p:stCondLst>
@@ -7140,9 +7145,9 @@
                                         <p:strVal val="visible"/>
                                       </p:to>
                                     </p:set>
-                                    <p:animEffect transition="in" filter="dissolve">
+                                    <p:animEffect transition="in" filter="wipe(left)">
                                       <p:cBhvr>
-                                        <p:cTn id="11" dur="500"/>
+                                        <p:cTn id="12" dur="1000"/>
                                         <p:tgtEl>
                                           <p:spTgt spid="135171">
                                             <p:txEl>
@@ -7162,26 +7167,26 @@
                     </p:cTn>
                   </p:par>
                   <p:par>
-                    <p:cTn id="12" fill="hold">
+                    <p:cTn id="13" fill="hold">
                       <p:stCondLst>
                         <p:cond delay="indefinite"/>
                       </p:stCondLst>
                       <p:childTnLst>
                         <p:par>
-                          <p:cTn id="13" fill="hold">
+                          <p:cTn id="14" fill="hold">
                             <p:stCondLst>
                               <p:cond delay="0"/>
                             </p:stCondLst>
                             <p:childTnLst>
                               <p:par>
-                                <p:cTn id="14" presetID="22" presetClass="entr" presetSubtype="8" fill="hold" nodeType="clickEffect">
+                                <p:cTn id="15" presetID="22" presetClass="entr" presetSubtype="8" fill="hold" nodeType="clickEffect">
                                   <p:stCondLst>
                                     <p:cond delay="0"/>
                                   </p:stCondLst>
                                   <p:childTnLst>
                                     <p:set>
                                       <p:cBhvr>
-                                        <p:cTn id="15" dur="1" fill="hold">
+                                        <p:cTn id="16" dur="1" fill="hold">
                                           <p:stCondLst>
                                             <p:cond delay="0"/>
                                           </p:stCondLst>
@@ -7203,7 +7208,7 @@
                                     </p:set>
                                     <p:animEffect transition="in" filter="wipe(left)">
                                       <p:cBhvr>
-                                        <p:cTn id="16" dur="500"/>
+                                        <p:cTn id="17" dur="1000"/>
                                         <p:tgtEl>
                                           <p:spTgt spid="135171">
                                             <p:txEl>
@@ -7220,20 +7225,20 @@
                           </p:cTn>
                         </p:par>
                         <p:par>
-                          <p:cTn id="17" fill="hold">
+                          <p:cTn id="18" fill="hold">
                             <p:stCondLst>
-                              <p:cond delay="500"/>
+                              <p:cond delay="1000"/>
                             </p:stCondLst>
                             <p:childTnLst>
                               <p:par>
-                                <p:cTn id="18" presetID="9" presetClass="entr" presetSubtype="0" fill="hold" nodeType="afterEffect">
+                                <p:cTn id="19" presetID="10" presetClass="entr" presetSubtype="0" fill="hold" nodeType="afterEffect">
                                   <p:stCondLst>
                                     <p:cond delay="0"/>
                                   </p:stCondLst>
                                   <p:childTnLst>
                                     <p:set>
                                       <p:cBhvr>
-                                        <p:cTn id="19" dur="1" fill="hold">
+                                        <p:cTn id="20" dur="1" fill="hold">
                                           <p:stCondLst>
                                             <p:cond delay="0"/>
                                           </p:stCondLst>
@@ -7249,9 +7254,9 @@
                                         <p:strVal val="visible"/>
                                       </p:to>
                                     </p:set>
-                                    <p:animEffect transition="in" filter="dissolve">
+                                    <p:animEffect transition="in" filter="fade">
                                       <p:cBhvr>
-                                        <p:cTn id="20" dur="500"/>
+                                        <p:cTn id="21" dur="500"/>
                                         <p:tgtEl>
                                           <p:spTgt spid="7"/>
                                         </p:tgtEl>
@@ -7450,11 +7455,19 @@
             </a:r>
             <a:r>
               <a:rPr lang="en-US" sz="4500" dirty="0" err="1" smtClean="0"/>
-              <a:t>Pr{Team</a:t>
+              <a:t>Pr</a:t>
             </a:r>
             <a:r>
               <a:rPr lang="en-US" sz="4500" dirty="0" smtClean="0"/>
-              <a:t> 2 wins | H}</a:t>
+              <a:t>[Team </a:t>
+            </a:r>
+            <a:r>
+              <a:rPr lang="en-US" sz="4500" dirty="0" smtClean="0"/>
+              <a:t>2 wins | </a:t>
+            </a:r>
+            <a:r>
+              <a:rPr lang="en-US" sz="4500" dirty="0" smtClean="0"/>
+              <a:t>H]</a:t>
             </a:r>
             <a:r>
               <a:rPr lang="en-US" sz="4500" dirty="0" smtClean="0">
@@ -7487,7 +7500,7 @@
           <a:graphicData uri="http://schemas.openxmlformats.org/presentationml/2006/ole">
             <mc:AlternateContent xmlns:mc="http://schemas.openxmlformats.org/markup-compatibility/2006">
               <mc:Choice xmlns:v="urn:schemas-microsoft-com:vml" Requires="v">
-                <p:oleObj spid="_x0000_s2070" name="Equation" r:id="rId4" imgW="152280" imgH="419040" progId="Equation.DSMT4">
+                <p:oleObj spid="_x0000_s2074" name="Equation" r:id="rId4" imgW="152280" imgH="419040" progId="Equation.DSMT4">
                   <p:embed/>
                 </p:oleObj>
               </mc:Choice>
@@ -7570,7 +7583,7 @@
                             </p:stCondLst>
                             <p:childTnLst>
                               <p:par>
-                                <p:cTn id="5" presetID="9" presetClass="entr" presetSubtype="0" fill="hold" nodeType="clickEffect">
+                                <p:cTn id="5" presetID="10" presetClass="entr" presetSubtype="0" fill="hold" nodeType="clickEffect">
                                   <p:stCondLst>
                                     <p:cond delay="0"/>
                                   </p:stCondLst>
@@ -7597,7 +7610,7 @@
                                         <p:strVal val="visible"/>
                                       </p:to>
                                     </p:set>
-                                    <p:animEffect transition="in" filter="dissolve">
+                                    <p:animEffect transition="in" filter="fade">
                                       <p:cBhvr>
                                         <p:cTn id="7" dur="500"/>
                                         <p:tgtEl>
@@ -7660,7 +7673,7 @@
                                     </p:set>
                                     <p:animEffect transition="in" filter="wipe(left)">
                                       <p:cBhvr>
-                                        <p:cTn id="12" dur="500"/>
+                                        <p:cTn id="12" dur="1000"/>
                                         <p:tgtEl>
                                           <p:spTgt spid="136195">
                                             <p:txEl>
@@ -7679,11 +7692,11 @@
                         <p:par>
                           <p:cTn id="13" fill="hold">
                             <p:stCondLst>
-                              <p:cond delay="500"/>
+                              <p:cond delay="1000"/>
                             </p:stCondLst>
                             <p:childTnLst>
                               <p:par>
-                                <p:cTn id="14" presetID="9" presetClass="entr" presetSubtype="0" fill="hold" nodeType="afterEffect">
+                                <p:cTn id="14" presetID="10" presetClass="entr" presetSubtype="0" fill="hold" nodeType="afterEffect">
                                   <p:stCondLst>
                                     <p:cond delay="0"/>
                                   </p:stCondLst>
@@ -7706,7 +7719,7 @@
                                         <p:strVal val="visible"/>
                                       </p:to>
                                     </p:set>
-                                    <p:animEffect transition="in" filter="dissolve">
+                                    <p:animEffect transition="in" filter="fade">
                                       <p:cBhvr>
                                         <p:cTn id="16" dur="500"/>
                                         <p:tgtEl>
@@ -7886,11 +7899,19 @@
             </a:r>
             <a:r>
               <a:rPr lang="en-US" sz="4500" dirty="0" err="1" smtClean="0"/>
-              <a:t>Pr{Team</a:t>
+              <a:t>Pr</a:t>
             </a:r>
             <a:r>
               <a:rPr lang="en-US" sz="4500" dirty="0" smtClean="0"/>
-              <a:t> 2 wins | L}</a:t>
+              <a:t>[Team </a:t>
+            </a:r>
+            <a:r>
+              <a:rPr lang="en-US" sz="4500" dirty="0" smtClean="0"/>
+              <a:t>2 wins | </a:t>
+            </a:r>
+            <a:r>
+              <a:rPr lang="en-US" sz="4500" dirty="0" smtClean="0"/>
+              <a:t>L]</a:t>
             </a:r>
             <a:r>
               <a:rPr lang="en-US" sz="4500" dirty="0" smtClean="0">
@@ -7923,7 +7944,7 @@
           <a:graphicData uri="http://schemas.openxmlformats.org/presentationml/2006/ole">
             <mc:AlternateContent xmlns:mc="http://schemas.openxmlformats.org/markup-compatibility/2006">
               <mc:Choice xmlns:v="urn:schemas-microsoft-com:vml" Requires="v">
-                <p:oleObj spid="_x0000_s3095" name="Equation" r:id="rId4" imgW="152280" imgH="419040" progId="Equation.DSMT4">
+                <p:oleObj spid="_x0000_s3099" name="Equation" r:id="rId4" imgW="152280" imgH="419040" progId="Equation.DSMT4">
                   <p:embed/>
                 </p:oleObj>
               </mc:Choice>
@@ -8075,7 +8096,7 @@
                             </p:stCondLst>
                             <p:childTnLst>
                               <p:par>
-                                <p:cTn id="5" presetID="9" presetClass="entr" presetSubtype="0" fill="hold" nodeType="clickEffect">
+                                <p:cTn id="5" presetID="10" presetClass="entr" presetSubtype="0" fill="hold" nodeType="clickEffect">
                                   <p:stCondLst>
                                     <p:cond delay="0"/>
                                   </p:stCondLst>
@@ -8102,7 +8123,7 @@
                                         <p:strVal val="visible"/>
                                       </p:to>
                                     </p:set>
-                                    <p:animEffect transition="in" filter="dissolve">
+                                    <p:animEffect transition="in" filter="fade">
                                       <p:cBhvr>
                                         <p:cTn id="7" dur="500"/>
                                         <p:tgtEl>
@@ -8165,7 +8186,7 @@
                                     </p:set>
                                     <p:animEffect transition="in" filter="wipe(left)">
                                       <p:cBhvr>
-                                        <p:cTn id="12" dur="500"/>
+                                        <p:cTn id="12" dur="1000"/>
                                         <p:tgtEl>
                                           <p:spTgt spid="137219">
                                             <p:txEl>
@@ -8184,11 +8205,11 @@
                         <p:par>
                           <p:cTn id="13" fill="hold">
                             <p:stCondLst>
-                              <p:cond delay="500"/>
+                              <p:cond delay="1000"/>
                             </p:stCondLst>
                             <p:childTnLst>
                               <p:par>
-                                <p:cTn id="14" presetID="9" presetClass="entr" presetSubtype="0" fill="hold" nodeType="afterEffect">
+                                <p:cTn id="14" presetID="10" presetClass="entr" presetSubtype="0" fill="hold" nodeType="afterEffect">
                                   <p:stCondLst>
                                     <p:cond delay="0"/>
                                   </p:stCondLst>
@@ -8211,7 +8232,7 @@
                                         <p:strVal val="visible"/>
                                       </p:to>
                                     </p:set>
-                                    <p:animEffect transition="in" filter="dissolve">
+                                    <p:animEffect transition="in" filter="fade">
                                       <p:cBhvr>
                                         <p:cTn id="16" dur="500"/>
                                         <p:tgtEl>
@@ -8611,7 +8632,7 @@
                             </p:stCondLst>
                             <p:childTnLst>
                               <p:par>
-                                <p:cTn id="5" presetID="9" presetClass="entr" presetSubtype="0" fill="hold" nodeType="clickEffect">
+                                <p:cTn id="5" presetID="10" presetClass="entr" presetSubtype="0" fill="hold" nodeType="clickEffect">
                                   <p:stCondLst>
                                     <p:cond delay="0"/>
                                   </p:stCondLst>
@@ -8638,7 +8659,7 @@
                                         <p:strVal val="visible"/>
                                       </p:to>
                                     </p:set>
-                                    <p:animEffect transition="in" filter="dissolve">
+                                    <p:animEffect transition="in" filter="fade">
                                       <p:cBhvr>
                                         <p:cTn id="7" dur="500"/>
                                         <p:tgtEl>
@@ -8672,7 +8693,7 @@
                             </p:stCondLst>
                             <p:childTnLst>
                               <p:par>
-                                <p:cTn id="10" presetID="9" presetClass="entr" presetSubtype="0" fill="hold" nodeType="clickEffect">
+                                <p:cTn id="10" presetID="10" presetClass="entr" presetSubtype="0" fill="hold" nodeType="clickEffect">
                                   <p:stCondLst>
                                     <p:cond delay="0"/>
                                   </p:stCondLst>
@@ -8699,7 +8720,7 @@
                                         <p:strVal val="visible"/>
                                       </p:to>
                                     </p:set>
-                                    <p:animEffect transition="in" filter="dissolve">
+                                    <p:animEffect transition="in" filter="fade">
                                       <p:cBhvr>
                                         <p:cTn id="12" dur="500"/>
                                         <p:tgtEl>
@@ -8865,6 +8886,16 @@
               <a:buNone/>
             </a:pPr>
             <a:r>
+              <a:rPr lang="en-US" sz="4800" dirty="0" err="1" smtClean="0">
+                <a:solidFill>
+                  <a:srgbClr val="0000FF"/>
+                </a:solidFill>
+                <a:latin typeface="Comic Sans MS"/>
+                <a:cs typeface="Comic Sans MS"/>
+              </a:rPr>
+              <a:t>Pr</a:t>
+            </a:r>
+            <a:r>
               <a:rPr lang="en-US" sz="4800" dirty="0" smtClean="0">
                 <a:solidFill>
                   <a:srgbClr val="0000FF"/>
@@ -8872,7 +8903,27 @@
                 <a:latin typeface="Comic Sans MS"/>
                 <a:cs typeface="Comic Sans MS"/>
               </a:rPr>
-              <a:t>Pr{Team 2 wins} </a:t>
+              <a:t>[Team </a:t>
+            </a:r>
+            <a:r>
+              <a:rPr lang="en-US" sz="4800" dirty="0" smtClean="0">
+                <a:solidFill>
+                  <a:srgbClr val="0000FF"/>
+                </a:solidFill>
+                <a:latin typeface="Comic Sans MS"/>
+                <a:cs typeface="Comic Sans MS"/>
+              </a:rPr>
+              <a:t>2 </a:t>
+            </a:r>
+            <a:r>
+              <a:rPr lang="en-US" sz="4800" dirty="0" smtClean="0">
+                <a:solidFill>
+                  <a:srgbClr val="0000FF"/>
+                </a:solidFill>
+                <a:latin typeface="Comic Sans MS"/>
+                <a:cs typeface="Comic Sans MS"/>
+              </a:rPr>
+              <a:t>wins] </a:t>
             </a:r>
             <a:r>
               <a:rPr lang="en-US" sz="4800" b="1" dirty="0" smtClean="0">
@@ -8896,7 +8947,7 @@
                 <a:latin typeface="Comic Sans MS"/>
                 <a:cs typeface="Comic Sans MS"/>
               </a:rPr>
-              <a:t>Pr{win|Z</a:t>
+              <a:t>Pr</a:t>
             </a:r>
             <a:r>
               <a:rPr lang="en-US" sz="4400" dirty="0" smtClean="0">
@@ -8906,7 +8957,7 @@
                 <a:latin typeface="Comic Sans MS"/>
                 <a:cs typeface="Comic Sans MS"/>
               </a:rPr>
-              <a:t> </a:t>
+              <a:t>[</a:t>
             </a:r>
             <a:r>
               <a:rPr lang="en-US" sz="4400" dirty="0" err="1" smtClean="0">
@@ -8916,7 +8967,17 @@
                 <a:latin typeface="Comic Sans MS"/>
                 <a:cs typeface="Comic Sans MS"/>
               </a:rPr>
-              <a:t>good}⋅Pr{Z</a:t>
+              <a:t>win</a:t>
+            </a:r>
+            <a:r>
+              <a:rPr lang="en-US" sz="4400" dirty="0" err="1" smtClean="0">
+                <a:solidFill>
+                  <a:srgbClr val="0000FF"/>
+                </a:solidFill>
+                <a:latin typeface="Comic Sans MS"/>
+                <a:cs typeface="Comic Sans MS"/>
+              </a:rPr>
+              <a:t>|Z</a:t>
             </a:r>
             <a:r>
               <a:rPr lang="en-US" sz="4400" dirty="0" smtClean="0">
@@ -8926,11 +8987,8 @@
                 <a:latin typeface="Comic Sans MS"/>
                 <a:cs typeface="Comic Sans MS"/>
               </a:rPr>
-              <a:t> good} +</a:t>
-            </a:r>
-          </a:p>
-          <a:p>
-            <a:pPr eaLnBrk="1" hangingPunct="1"/>
+              <a:t> </a:t>
+            </a:r>
             <a:r>
               <a:rPr lang="en-US" sz="4400" dirty="0" smtClean="0">
                 <a:solidFill>
@@ -8939,7 +8997,7 @@
                 <a:latin typeface="Comic Sans MS"/>
                 <a:cs typeface="Comic Sans MS"/>
               </a:rPr>
-              <a:t> </a:t>
+              <a:t>good]⋅</a:t>
             </a:r>
             <a:r>
               <a:rPr lang="en-US" sz="4400" dirty="0" err="1" smtClean="0">
@@ -8949,7 +9007,7 @@
                 <a:latin typeface="Comic Sans MS"/>
                 <a:cs typeface="Comic Sans MS"/>
               </a:rPr>
-              <a:t>Pr{win|Z</a:t>
+              <a:t>Pr</a:t>
             </a:r>
             <a:r>
               <a:rPr lang="en-US" sz="4400" dirty="0" smtClean="0">
@@ -8959,7 +9017,30 @@
                 <a:latin typeface="Comic Sans MS"/>
                 <a:cs typeface="Comic Sans MS"/>
               </a:rPr>
-              <a:t> no </a:t>
+              <a:t>[Z good] </a:t>
+            </a:r>
+            <a:r>
+              <a:rPr lang="en-US" sz="4400" dirty="0" smtClean="0">
+                <a:solidFill>
+                  <a:srgbClr val="0000FF"/>
+                </a:solidFill>
+                <a:latin typeface="Comic Sans MS"/>
+                <a:cs typeface="Comic Sans MS"/>
+              </a:rPr>
+              <a:t>+</a:t>
+            </a:r>
+          </a:p>
+          <a:p>
+            <a:pPr eaLnBrk="1" hangingPunct="1"/>
+            <a:r>
+              <a:rPr lang="en-US" sz="4400" dirty="0" smtClean="0">
+                <a:solidFill>
+                  <a:srgbClr val="0000FF"/>
+                </a:solidFill>
+                <a:latin typeface="Comic Sans MS"/>
+                <a:cs typeface="Comic Sans MS"/>
+              </a:rPr>
+              <a:t> </a:t>
             </a:r>
             <a:r>
               <a:rPr lang="en-US" sz="4400" dirty="0" err="1" smtClean="0">
@@ -8969,7 +9050,7 @@
                 <a:latin typeface="Comic Sans MS"/>
                 <a:cs typeface="Comic Sans MS"/>
               </a:rPr>
-              <a:t>good}⋅Pr{Z</a:t>
+              <a:t>Pr</a:t>
             </a:r>
             <a:r>
               <a:rPr lang="en-US" sz="4400" dirty="0" smtClean="0">
@@ -8979,8 +9060,95 @@
                 <a:latin typeface="Comic Sans MS"/>
                 <a:cs typeface="Comic Sans MS"/>
               </a:rPr>
-              <a:t> no good}</a:t>
-            </a:r>
+              <a:t>[</a:t>
+            </a:r>
+            <a:r>
+              <a:rPr lang="en-US" sz="4400" dirty="0" err="1" smtClean="0">
+                <a:solidFill>
+                  <a:srgbClr val="0000FF"/>
+                </a:solidFill>
+                <a:latin typeface="Comic Sans MS"/>
+                <a:cs typeface="Comic Sans MS"/>
+              </a:rPr>
+              <a:t>win</a:t>
+            </a:r>
+            <a:r>
+              <a:rPr lang="en-US" sz="4400" dirty="0" err="1" smtClean="0">
+                <a:solidFill>
+                  <a:srgbClr val="0000FF"/>
+                </a:solidFill>
+                <a:latin typeface="Comic Sans MS"/>
+                <a:cs typeface="Comic Sans MS"/>
+              </a:rPr>
+              <a:t>|Z</a:t>
+            </a:r>
+            <a:r>
+              <a:rPr lang="en-US" sz="4400" dirty="0" smtClean="0">
+                <a:solidFill>
+                  <a:srgbClr val="0000FF"/>
+                </a:solidFill>
+                <a:latin typeface="Comic Sans MS"/>
+                <a:cs typeface="Comic Sans MS"/>
+              </a:rPr>
+              <a:t> no </a:t>
+            </a:r>
+            <a:r>
+              <a:rPr lang="en-US" sz="4400" dirty="0" smtClean="0">
+                <a:solidFill>
+                  <a:srgbClr val="0000FF"/>
+                </a:solidFill>
+                <a:latin typeface="Comic Sans MS"/>
+                <a:cs typeface="Comic Sans MS"/>
+              </a:rPr>
+              <a:t>good]⋅</a:t>
+            </a:r>
+            <a:r>
+              <a:rPr lang="en-US" sz="4400" dirty="0" err="1" smtClean="0">
+                <a:solidFill>
+                  <a:srgbClr val="0000FF"/>
+                </a:solidFill>
+                <a:latin typeface="Comic Sans MS"/>
+                <a:cs typeface="Comic Sans MS"/>
+              </a:rPr>
+              <a:t>Pr</a:t>
+            </a:r>
+            <a:r>
+              <a:rPr lang="en-US" sz="4400" dirty="0" smtClean="0">
+                <a:solidFill>
+                  <a:srgbClr val="0000FF"/>
+                </a:solidFill>
+                <a:latin typeface="Comic Sans MS"/>
+                <a:cs typeface="Comic Sans MS"/>
+              </a:rPr>
+              <a:t>[Z </a:t>
+            </a:r>
+            <a:r>
+              <a:rPr lang="en-US" sz="4400" dirty="0" smtClean="0">
+                <a:solidFill>
+                  <a:srgbClr val="0000FF"/>
+                </a:solidFill>
+                <a:latin typeface="Comic Sans MS"/>
+                <a:cs typeface="Comic Sans MS"/>
+              </a:rPr>
+              <a:t>no </a:t>
+            </a:r>
+            <a:r>
+              <a:rPr lang="en-US" sz="4400" dirty="0" smtClean="0">
+                <a:solidFill>
+                  <a:srgbClr val="0000FF"/>
+                </a:solidFill>
+                <a:latin typeface="Comic Sans MS"/>
+                <a:cs typeface="Comic Sans MS"/>
+              </a:rPr>
+              <a:t>good]</a:t>
+            </a:r>
+            <a:endParaRPr lang="en-US" sz="4400" dirty="0" smtClean="0">
+              <a:solidFill>
+                <a:srgbClr val="0000FF"/>
+              </a:solidFill>
+              <a:latin typeface="Comic Sans MS"/>
+              <a:cs typeface="Comic Sans MS"/>
+            </a:endParaRPr>
           </a:p>
         </p:txBody>
       </p:sp>
@@ -9000,7 +9168,7 @@
           <a:graphicData uri="http://schemas.openxmlformats.org/presentationml/2006/ole">
             <mc:AlternateContent xmlns:mc="http://schemas.openxmlformats.org/markup-compatibility/2006">
               <mc:Choice xmlns:v="urn:schemas-microsoft-com:vml" Requires="v">
-                <p:oleObj spid="_x0000_s502807" name="Equation" r:id="rId4" imgW="914400" imgH="220320" progId="Equation.DSMT4">
+                <p:oleObj spid="_x0000_s502811" name="Equation" r:id="rId4" imgW="914400" imgH="220320" progId="Equation.DSMT4">
                   <p:embed/>
                 </p:oleObj>
               </mc:Choice>
